--- a/presentation.pptx
+++ b/presentation.pptx
@@ -11,13 +11,13 @@
     <p:sldId id="256" r:id="rId2"/>
     <p:sldId id="260" r:id="rId3"/>
     <p:sldId id="258" r:id="rId4"/>
-    <p:sldId id="261" r:id="rId5"/>
-    <p:sldId id="273" r:id="rId6"/>
-    <p:sldId id="262" r:id="rId7"/>
-    <p:sldId id="264" r:id="rId8"/>
-    <p:sldId id="274" r:id="rId9"/>
-    <p:sldId id="275" r:id="rId10"/>
-    <p:sldId id="265" r:id="rId11"/>
+    <p:sldId id="265" r:id="rId5"/>
+    <p:sldId id="261" r:id="rId6"/>
+    <p:sldId id="273" r:id="rId7"/>
+    <p:sldId id="262" r:id="rId8"/>
+    <p:sldId id="264" r:id="rId9"/>
+    <p:sldId id="274" r:id="rId10"/>
+    <p:sldId id="275" r:id="rId11"/>
     <p:sldId id="270" r:id="rId12"/>
     <p:sldId id="272" r:id="rId13"/>
   </p:sldIdLst>
@@ -208,7 +208,7 @@
           <a:p>
             <a:fld id="{EF3B829A-909C-483E-865C-C6E2AFFE9E3E}" type="datetimeFigureOut">
               <a:rPr lang="en-US" smtClean="0"/>
-              <a:t>9/23/2024</a:t>
+              <a:t>9/30/2024</a:t>
             </a:fld>
             <a:endParaRPr lang="en-US"/>
           </a:p>
@@ -6251,17 +6251,6 @@
 <file path=ppt/slides/slide10.xml><?xml version="1.0" encoding="utf-8"?>
 <p:sld xmlns:a="http://schemas.openxmlformats.org/drawingml/2006/main" xmlns:r="http://schemas.openxmlformats.org/officeDocument/2006/relationships" xmlns:p="http://schemas.openxmlformats.org/presentationml/2006/main">
   <p:cSld>
-    <p:bg>
-      <p:bgPr>
-        <a:solidFill>
-          <a:schemeClr val="bg1">
-            <a:lumMod val="85000"/>
-            <a:alpha val="44000"/>
-          </a:schemeClr>
-        </a:solidFill>
-        <a:effectLst/>
-      </p:bgPr>
-    </p:bg>
     <p:spTree>
       <p:nvGrpSpPr>
         <p:cNvPr id="1" name=""/>
@@ -6278,18 +6267,18 @@
       </p:grpSpPr>
       <p:sp>
         <p:nvSpPr>
-          <p:cNvPr id="9" name="Content Placeholder 8">
-            <a:extLst>
-              <a:ext uri="{FF2B5EF4-FFF2-40B4-BE49-F238E27FC236}">
-                <a16:creationId xmlns:a16="http://schemas.microsoft.com/office/drawing/2014/main" id="{3712FED4-CC03-4165-97A5-95275045F62A}"/>
-              </a:ext>
-            </a:extLst>
-          </p:cNvPr>
-          <p:cNvSpPr>
-            <a:spLocks noGrp="1"/>
-          </p:cNvSpPr>
-          <p:nvPr>
-            <p:ph sz="half" idx="1"/>
+          <p:cNvPr id="2" name="Title 1">
+            <a:extLst>
+              <a:ext uri="{FF2B5EF4-FFF2-40B4-BE49-F238E27FC236}">
+                <a16:creationId xmlns:a16="http://schemas.microsoft.com/office/drawing/2014/main" id="{6EF635B5-5FA0-4726-A519-C26815664BDD}"/>
+              </a:ext>
+            </a:extLst>
+          </p:cNvPr>
+          <p:cNvSpPr>
+            <a:spLocks noGrp="1"/>
+          </p:cNvSpPr>
+          <p:nvPr>
+            <p:ph type="title"/>
           </p:nvPr>
         </p:nvSpPr>
         <p:spPr/>
@@ -6297,89 +6286,167 @@
           <a:bodyPr/>
           <a:lstStyle/>
           <a:p>
-            <a:pPr lvl="3"/>
-            <a:r>
-              <a:rPr lang="en-US" dirty="0"/>
-              <a:t>Android Play Console</a:t>
-            </a:r>
-          </a:p>
-          <a:p>
-            <a:r>
-              <a:rPr lang="en-US" dirty="0"/>
-              <a:t>Android can run and deploy from Windows/Linux/Mac.</a:t>
-            </a:r>
-          </a:p>
-          <a:p>
-            <a:r>
-              <a:rPr lang="en-US" noProof="1"/>
-              <a:t>No account needed to deploy to physical device. The device needs to be in developer mode.</a:t>
-            </a:r>
-          </a:p>
-          <a:p>
-            <a:r>
-              <a:rPr lang="en-US" noProof="1"/>
-              <a:t>Beta testing using PlayConsole. This will require developer account and store listing. The app doesn’t need to be published yet.</a:t>
-            </a:r>
-          </a:p>
-          <a:p>
-            <a:r>
-              <a:rPr lang="en-US" noProof="1"/>
-              <a:t>Release deployment gets signed by app signing key. Either manual or through the store. (Maui can create a signing key as well)</a:t>
-            </a:r>
-          </a:p>
-        </p:txBody>
-      </p:sp>
-      <p:sp>
-        <p:nvSpPr>
-          <p:cNvPr id="7" name="Content Placeholder 6">
-            <a:extLst>
-              <a:ext uri="{FF2B5EF4-FFF2-40B4-BE49-F238E27FC236}">
-                <a16:creationId xmlns:a16="http://schemas.microsoft.com/office/drawing/2014/main" id="{6CA96A09-AA5C-4989-8C76-2070590FB790}"/>
-              </a:ext>
-            </a:extLst>
-          </p:cNvPr>
-          <p:cNvSpPr>
-            <a:spLocks noGrp="1"/>
-          </p:cNvSpPr>
-          <p:nvPr>
-            <p:ph sz="half" idx="2"/>
-          </p:nvPr>
-        </p:nvSpPr>
-        <p:spPr/>
+            <a:r>
+              <a:rPr lang="en-US"/>
+              <a:t>4. Platform specific code</a:t>
+            </a:r>
+            <a:endParaRPr lang="en-US" dirty="0"/>
+          </a:p>
+        </p:txBody>
+      </p:sp>
+      <p:sp>
+        <p:nvSpPr>
+          <p:cNvPr id="4" name="Text Placeholder 3">
+            <a:extLst>
+              <a:ext uri="{FF2B5EF4-FFF2-40B4-BE49-F238E27FC236}">
+                <a16:creationId xmlns:a16="http://schemas.microsoft.com/office/drawing/2014/main" id="{B5B9909D-7B7D-4554-AE51-18A1731CAB18}"/>
+              </a:ext>
+            </a:extLst>
+          </p:cNvPr>
+          <p:cNvSpPr>
+            <a:spLocks noGrp="1"/>
+          </p:cNvSpPr>
+          <p:nvPr>
+            <p:ph type="body" sz="half" idx="2"/>
+          </p:nvPr>
+        </p:nvSpPr>
+        <p:spPr>
+          <a:xfrm>
+            <a:off x="982662" y="1691750"/>
+            <a:ext cx="4531169" cy="4248000"/>
+          </a:xfrm>
+        </p:spPr>
         <p:txBody>
           <a:bodyPr/>
           <a:lstStyle/>
           <a:p>
-            <a:pPr lvl="3"/>
-            <a:r>
-              <a:rPr lang="en-US" dirty="0"/>
-              <a:t>iOS/Mac </a:t>
-            </a:r>
-          </a:p>
-          <a:p>
-            <a:r>
-              <a:rPr lang="en-US" dirty="0"/>
-              <a:t>Need mac to build and deploy.</a:t>
-            </a:r>
-          </a:p>
-          <a:p>
-            <a:r>
-              <a:rPr lang="en-US" dirty="0"/>
-              <a:t>Need apple developer account to debug on real device.</a:t>
-            </a:r>
-          </a:p>
-          <a:p>
-            <a:r>
-              <a:rPr lang="en-US" dirty="0"/>
-              <a:t>Beta testing using TestFlight. This will require developer account and store listing. The app doesn’t need to be published yet.</a:t>
-            </a:r>
-          </a:p>
-          <a:p>
-            <a:r>
-              <a:rPr lang="en-US" dirty="0"/>
-              <a:t>Release deployment gets signed by an apple certificate created in your developer account. (Maui can create this for you through your account)</a:t>
-            </a:r>
-          </a:p>
+            <a:pPr marL="285750" indent="-285750">
+              <a:buFont typeface="Arial" panose="020B0604020202020204" pitchFamily="34" charset="0"/>
+              <a:buChar char="•"/>
+            </a:pPr>
+            <a:r>
+              <a:rPr lang="en-US" dirty="0">
+                <a:solidFill>
+                  <a:schemeClr val="tx1"/>
+                </a:solidFill>
+              </a:rPr>
+              <a:t>A .NET MAUI app project contains a Platforms folder, with each child folder representing a platform that .NET MAUI can target</a:t>
+            </a:r>
+          </a:p>
+          <a:p>
+            <a:pPr marL="285750" indent="-285750">
+              <a:buFont typeface="Arial" panose="020B0604020202020204" pitchFamily="34" charset="0"/>
+              <a:buChar char="•"/>
+            </a:pPr>
+            <a:r>
+              <a:rPr lang="en-US" dirty="0">
+                <a:solidFill>
+                  <a:schemeClr val="tx1"/>
+                </a:solidFill>
+              </a:rPr>
+              <a:t>The folders for each platform contain platform-specific resources, and code that starts the app on each platform</a:t>
+            </a:r>
+          </a:p>
+          <a:p>
+            <a:r>
+              <a:rPr lang="en-US" dirty="0">
+                <a:solidFill>
+                  <a:schemeClr val="tx1"/>
+                </a:solidFill>
+              </a:rPr>
+              <a:t> </a:t>
+            </a:r>
+            <a:r>
+              <a:rPr lang="en-US" dirty="0">
+                <a:solidFill>
+                  <a:schemeClr val="accent1"/>
+                </a:solidFill>
+              </a:rPr>
+              <a:t>Ways to use platform code:</a:t>
+            </a:r>
+          </a:p>
+          <a:p>
+            <a:pPr marL="285750" indent="-285750">
+              <a:buFont typeface="Arial" panose="020B0604020202020204" pitchFamily="34" charset="0"/>
+              <a:buChar char="•"/>
+            </a:pPr>
+            <a:r>
+              <a:rPr lang="en-US" dirty="0">
+                <a:solidFill>
+                  <a:schemeClr val="tx1"/>
+                </a:solidFill>
+              </a:rPr>
+              <a:t>Conditional compilation. #IF ANDROID</a:t>
+            </a:r>
+          </a:p>
+          <a:p>
+            <a:pPr marL="285750" indent="-285750">
+              <a:buFont typeface="Arial" panose="020B0604020202020204" pitchFamily="34" charset="0"/>
+              <a:buChar char="•"/>
+            </a:pPr>
+            <a:r>
+              <a:rPr lang="en-US" dirty="0">
+                <a:solidFill>
+                  <a:schemeClr val="tx1"/>
+                </a:solidFill>
+              </a:rPr>
+              <a:t>Partial Classes and Methods </a:t>
+            </a:r>
+          </a:p>
+          <a:p>
+            <a:pPr marL="285750" indent="-285750">
+              <a:buFont typeface="Arial" panose="020B0604020202020204" pitchFamily="34" charset="0"/>
+              <a:buChar char="•"/>
+            </a:pPr>
+            <a:r>
+              <a:rPr lang="en-US" dirty="0">
+                <a:solidFill>
+                  <a:schemeClr val="tx1"/>
+                </a:solidFill>
+              </a:rPr>
+              <a:t>Dependency Injection</a:t>
+            </a:r>
+          </a:p>
+          <a:p>
+            <a:pPr marL="285750" indent="-285750">
+              <a:buFont typeface="Arial" panose="020B0604020202020204" pitchFamily="34" charset="0"/>
+              <a:buChar char="•"/>
+            </a:pPr>
+            <a:r>
+              <a:rPr lang="en-US" dirty="0">
+                <a:solidFill>
+                  <a:schemeClr val="tx1"/>
+                </a:solidFill>
+              </a:rPr>
+              <a:t>Add native library to platform project.</a:t>
+            </a:r>
+          </a:p>
+        </p:txBody>
+      </p:sp>
+      <p:sp>
+        <p:nvSpPr>
+          <p:cNvPr id="5" name="Footer Placeholder 4">
+            <a:extLst>
+              <a:ext uri="{FF2B5EF4-FFF2-40B4-BE49-F238E27FC236}">
+                <a16:creationId xmlns:a16="http://schemas.microsoft.com/office/drawing/2014/main" id="{4CB243AF-DC73-44F7-BA69-567EEB9C74AC}"/>
+              </a:ext>
+            </a:extLst>
+          </p:cNvPr>
+          <p:cNvSpPr>
+            <a:spLocks noGrp="1"/>
+          </p:cNvSpPr>
+          <p:nvPr>
+            <p:ph type="ftr" sz="quarter" idx="10"/>
+          </p:nvPr>
+        </p:nvSpPr>
+        <p:spPr>
+          <a:solidFill>
+            <a:schemeClr val="bg1"/>
+          </a:solidFill>
+        </p:spPr>
+        <p:txBody>
+          <a:bodyPr/>
+          <a:lstStyle/>
           <a:p>
             <a:endParaRPr lang="en-US" dirty="0"/>
           </a:p>
@@ -6387,35 +6454,10 @@
       </p:sp>
       <p:sp>
         <p:nvSpPr>
-          <p:cNvPr id="14" name="Footer Placeholder 13">
-            <a:extLst>
-              <a:ext uri="{FF2B5EF4-FFF2-40B4-BE49-F238E27FC236}">
-                <a16:creationId xmlns:a16="http://schemas.microsoft.com/office/drawing/2014/main" id="{76FB314B-C036-4FE8-BDA9-5DA57F5270F0}"/>
-              </a:ext>
-            </a:extLst>
-          </p:cNvPr>
-          <p:cNvSpPr>
-            <a:spLocks noGrp="1"/>
-          </p:cNvSpPr>
-          <p:nvPr>
-            <p:ph type="ftr" sz="quarter" idx="10"/>
-          </p:nvPr>
-        </p:nvSpPr>
-        <p:spPr/>
-        <p:txBody>
-          <a:bodyPr/>
-          <a:lstStyle/>
-          <a:p>
-            <a:endParaRPr lang="en-US" dirty="0"/>
-          </a:p>
-        </p:txBody>
-      </p:sp>
-      <p:sp>
-        <p:nvSpPr>
-          <p:cNvPr id="57" name="Slide Number Placeholder 56">
-            <a:extLst>
-              <a:ext uri="{FF2B5EF4-FFF2-40B4-BE49-F238E27FC236}">
-                <a16:creationId xmlns:a16="http://schemas.microsoft.com/office/drawing/2014/main" id="{F37AA645-6F99-43E7-A0F8-232FF4C8158D}"/>
+          <p:cNvPr id="6" name="Slide Number Placeholder 5">
+            <a:extLst>
+              <a:ext uri="{FF2B5EF4-FFF2-40B4-BE49-F238E27FC236}">
+                <a16:creationId xmlns:a16="http://schemas.microsoft.com/office/drawing/2014/main" id="{218FB175-FF38-4A1F-B4B6-10FD2C8BBEA0}"/>
               </a:ext>
             </a:extLst>
           </p:cNvPr>
@@ -6442,44 +6484,89 @@
       </p:sp>
       <p:sp>
         <p:nvSpPr>
-          <p:cNvPr id="2" name="Title 1">
-            <a:extLst>
-              <a:ext uri="{FF2B5EF4-FFF2-40B4-BE49-F238E27FC236}">
-                <a16:creationId xmlns:a16="http://schemas.microsoft.com/office/drawing/2014/main" id="{5993B8E7-BC1F-43D9-80DA-6F7CBA67290B}"/>
-              </a:ext>
-            </a:extLst>
-          </p:cNvPr>
-          <p:cNvSpPr>
-            <a:spLocks noGrp="1"/>
-          </p:cNvSpPr>
-          <p:nvPr>
-            <p:ph type="title"/>
-          </p:nvPr>
-        </p:nvSpPr>
-        <p:spPr/>
-        <p:txBody>
-          <a:bodyPr/>
+          <p:cNvPr id="8" name="AutoShape 4" descr="Screenshot image 4">
+            <a:extLst>
+              <a:ext uri="{FF2B5EF4-FFF2-40B4-BE49-F238E27FC236}">
+                <a16:creationId xmlns:a16="http://schemas.microsoft.com/office/drawing/2014/main" id="{422F8BAF-6AA2-CF0D-F27E-F44F923C2205}"/>
+              </a:ext>
+            </a:extLst>
+          </p:cNvPr>
+          <p:cNvSpPr>
+            <a:spLocks noChangeAspect="1" noChangeArrowheads="1"/>
+          </p:cNvSpPr>
+          <p:nvPr/>
+        </p:nvSpPr>
+        <p:spPr bwMode="auto">
+          <a:xfrm>
+            <a:off x="5943599" y="3276599"/>
+            <a:ext cx="2725947" cy="2725947"/>
+          </a:xfrm>
+          <a:prstGeom prst="rect">
+            <a:avLst/>
+          </a:prstGeom>
+          <a:noFill/>
+          <a:extLst>
+            <a:ext uri="{909E8E84-426E-40DD-AFC4-6F175D3DCCD1}">
+              <a14:hiddenFill xmlns:a14="http://schemas.microsoft.com/office/drawing/2010/main">
+                <a:solidFill>
+                  <a:srgbClr val="FFFFFF"/>
+                </a:solidFill>
+              </a14:hiddenFill>
+            </a:ext>
+          </a:extLst>
+        </p:spPr>
+        <p:txBody>
+          <a:bodyPr vert="horz" wrap="square" lIns="91440" tIns="45720" rIns="91440" bIns="45720" numCol="1" anchor="t" anchorCtr="0" compatLnSpc="1">
+            <a:prstTxWarp prst="textNoShape">
+              <a:avLst/>
+            </a:prstTxWarp>
+          </a:bodyPr>
           <a:lstStyle/>
           <a:p>
-            <a:r>
-              <a:rPr lang="en-US" dirty="0"/>
-              <a:t>4. </a:t>
-            </a:r>
-            <a:r>
-              <a:rPr lang="en-US"/>
-              <a:t>Deployment and </a:t>
-            </a:r>
-            <a:r>
-              <a:rPr lang="en-US" dirty="0"/>
-              <a:t>Testing</a:t>
-            </a:r>
-          </a:p>
-        </p:txBody>
-      </p:sp>
+            <a:endParaRPr lang="en-ZA"/>
+          </a:p>
+        </p:txBody>
+      </p:sp>
+      <p:pic>
+        <p:nvPicPr>
+          <p:cNvPr id="7" name="Picture 6" descr="A screenshot of a computer&#10;&#10;Description automatically generated">
+            <a:extLst>
+              <a:ext uri="{FF2B5EF4-FFF2-40B4-BE49-F238E27FC236}">
+                <a16:creationId xmlns:a16="http://schemas.microsoft.com/office/drawing/2014/main" id="{8779E730-4549-F13C-53E9-3B64F3FA719F}"/>
+              </a:ext>
+            </a:extLst>
+          </p:cNvPr>
+          <p:cNvPicPr>
+            <a:picLocks noChangeAspect="1"/>
+          </p:cNvPicPr>
+          <p:nvPr/>
+        </p:nvPicPr>
+        <p:blipFill>
+          <a:blip r:embed="rId2">
+            <a:extLst>
+              <a:ext uri="{28A0092B-C50C-407E-A947-70E740481C1C}">
+                <a14:useLocalDpi xmlns:a14="http://schemas.microsoft.com/office/drawing/2010/main" val="0"/>
+              </a:ext>
+            </a:extLst>
+          </a:blip>
+          <a:stretch>
+            <a:fillRect/>
+          </a:stretch>
+        </p:blipFill>
+        <p:spPr>
+          <a:xfrm>
+            <a:off x="6939707" y="1172900"/>
+            <a:ext cx="3459678" cy="3846775"/>
+          </a:xfrm>
+          <a:prstGeom prst="rect">
+            <a:avLst/>
+          </a:prstGeom>
+        </p:spPr>
+      </p:pic>
     </p:spTree>
     <p:extLst>
       <p:ext uri="{BB962C8B-B14F-4D97-AF65-F5344CB8AC3E}">
-        <p14:creationId xmlns:p14="http://schemas.microsoft.com/office/powerpoint/2010/main" val="518404904"/>
+        <p14:creationId xmlns:p14="http://schemas.microsoft.com/office/powerpoint/2010/main" val="2149215952"/>
       </p:ext>
     </p:extLst>
   </p:cSld>
@@ -7667,7 +7754,7 @@
             </a:pPr>
             <a:r>
               <a:rPr lang="en-US" dirty="0"/>
-              <a:t>Platform specific code and Deployment</a:t>
+              <a:t>Platform specific code</a:t>
             </a:r>
           </a:p>
         </p:txBody>
@@ -8388,6 +8475,239 @@
     <p:bg>
       <p:bgPr>
         <a:solidFill>
+          <a:schemeClr val="bg1">
+            <a:lumMod val="85000"/>
+            <a:alpha val="44000"/>
+          </a:schemeClr>
+        </a:solidFill>
+        <a:effectLst/>
+      </p:bgPr>
+    </p:bg>
+    <p:spTree>
+      <p:nvGrpSpPr>
+        <p:cNvPr id="1" name=""/>
+        <p:cNvGrpSpPr/>
+        <p:nvPr/>
+      </p:nvGrpSpPr>
+      <p:grpSpPr>
+        <a:xfrm>
+          <a:off x="0" y="0"/>
+          <a:ext cx="0" cy="0"/>
+          <a:chOff x="0" y="0"/>
+          <a:chExt cx="0" cy="0"/>
+        </a:xfrm>
+      </p:grpSpPr>
+      <p:sp>
+        <p:nvSpPr>
+          <p:cNvPr id="9" name="Content Placeholder 8">
+            <a:extLst>
+              <a:ext uri="{FF2B5EF4-FFF2-40B4-BE49-F238E27FC236}">
+                <a16:creationId xmlns:a16="http://schemas.microsoft.com/office/drawing/2014/main" id="{3712FED4-CC03-4165-97A5-95275045F62A}"/>
+              </a:ext>
+            </a:extLst>
+          </p:cNvPr>
+          <p:cNvSpPr>
+            <a:spLocks noGrp="1"/>
+          </p:cNvSpPr>
+          <p:nvPr>
+            <p:ph sz="half" idx="1"/>
+          </p:nvPr>
+        </p:nvSpPr>
+        <p:spPr/>
+        <p:txBody>
+          <a:bodyPr/>
+          <a:lstStyle/>
+          <a:p>
+            <a:pPr lvl="3"/>
+            <a:r>
+              <a:rPr lang="en-US" dirty="0"/>
+              <a:t>Android Play Console</a:t>
+            </a:r>
+          </a:p>
+          <a:p>
+            <a:r>
+              <a:rPr lang="en-US" dirty="0"/>
+              <a:t>Android can run and deploy from Windows/Linux/Mac.</a:t>
+            </a:r>
+          </a:p>
+          <a:p>
+            <a:r>
+              <a:rPr lang="en-US" noProof="1"/>
+              <a:t>No account needed to deploy to physical device. The device needs to be in developer mode.</a:t>
+            </a:r>
+          </a:p>
+          <a:p>
+            <a:r>
+              <a:rPr lang="en-US" noProof="1"/>
+              <a:t>Beta testing using PlayConsole. This will require developer account and store listing. The app doesn’t need to be published yet.</a:t>
+            </a:r>
+          </a:p>
+          <a:p>
+            <a:r>
+              <a:rPr lang="en-US" noProof="1"/>
+              <a:t>Release deployment gets signed by app signing key. Either manual or through the store. (Maui can create a signing key as well)</a:t>
+            </a:r>
+          </a:p>
+        </p:txBody>
+      </p:sp>
+      <p:sp>
+        <p:nvSpPr>
+          <p:cNvPr id="7" name="Content Placeholder 6">
+            <a:extLst>
+              <a:ext uri="{FF2B5EF4-FFF2-40B4-BE49-F238E27FC236}">
+                <a16:creationId xmlns:a16="http://schemas.microsoft.com/office/drawing/2014/main" id="{6CA96A09-AA5C-4989-8C76-2070590FB790}"/>
+              </a:ext>
+            </a:extLst>
+          </p:cNvPr>
+          <p:cNvSpPr>
+            <a:spLocks noGrp="1"/>
+          </p:cNvSpPr>
+          <p:nvPr>
+            <p:ph sz="half" idx="2"/>
+          </p:nvPr>
+        </p:nvSpPr>
+        <p:spPr/>
+        <p:txBody>
+          <a:bodyPr/>
+          <a:lstStyle/>
+          <a:p>
+            <a:pPr lvl="3"/>
+            <a:r>
+              <a:rPr lang="en-US" dirty="0"/>
+              <a:t>iOS/Mac </a:t>
+            </a:r>
+          </a:p>
+          <a:p>
+            <a:r>
+              <a:rPr lang="en-US" dirty="0"/>
+              <a:t>Need mac to build and deploy.</a:t>
+            </a:r>
+          </a:p>
+          <a:p>
+            <a:r>
+              <a:rPr lang="en-US" dirty="0"/>
+              <a:t>Need apple developer account to debug on real device.</a:t>
+            </a:r>
+          </a:p>
+          <a:p>
+            <a:r>
+              <a:rPr lang="en-US" dirty="0"/>
+              <a:t>Beta testing using TestFlight. This will require developer account and store listing. The app doesn’t need to be published yet.</a:t>
+            </a:r>
+          </a:p>
+          <a:p>
+            <a:r>
+              <a:rPr lang="en-US" dirty="0"/>
+              <a:t>Release deployment gets signed by an apple certificate created in your developer account. (Maui can create this for you through your account)</a:t>
+            </a:r>
+          </a:p>
+          <a:p>
+            <a:endParaRPr lang="en-US" dirty="0"/>
+          </a:p>
+        </p:txBody>
+      </p:sp>
+      <p:sp>
+        <p:nvSpPr>
+          <p:cNvPr id="14" name="Footer Placeholder 13">
+            <a:extLst>
+              <a:ext uri="{FF2B5EF4-FFF2-40B4-BE49-F238E27FC236}">
+                <a16:creationId xmlns:a16="http://schemas.microsoft.com/office/drawing/2014/main" id="{76FB314B-C036-4FE8-BDA9-5DA57F5270F0}"/>
+              </a:ext>
+            </a:extLst>
+          </p:cNvPr>
+          <p:cNvSpPr>
+            <a:spLocks noGrp="1"/>
+          </p:cNvSpPr>
+          <p:nvPr>
+            <p:ph type="ftr" sz="quarter" idx="10"/>
+          </p:nvPr>
+        </p:nvSpPr>
+        <p:spPr/>
+        <p:txBody>
+          <a:bodyPr/>
+          <a:lstStyle/>
+          <a:p>
+            <a:endParaRPr lang="en-US" dirty="0"/>
+          </a:p>
+        </p:txBody>
+      </p:sp>
+      <p:sp>
+        <p:nvSpPr>
+          <p:cNvPr id="57" name="Slide Number Placeholder 56">
+            <a:extLst>
+              <a:ext uri="{FF2B5EF4-FFF2-40B4-BE49-F238E27FC236}">
+                <a16:creationId xmlns:a16="http://schemas.microsoft.com/office/drawing/2014/main" id="{F37AA645-6F99-43E7-A0F8-232FF4C8158D}"/>
+              </a:ext>
+            </a:extLst>
+          </p:cNvPr>
+          <p:cNvSpPr>
+            <a:spLocks noGrp="1"/>
+          </p:cNvSpPr>
+          <p:nvPr>
+            <p:ph type="sldNum" sz="quarter" idx="11"/>
+          </p:nvPr>
+        </p:nvSpPr>
+        <p:spPr/>
+        <p:txBody>
+          <a:bodyPr/>
+          <a:lstStyle/>
+          <a:p>
+            <a:fld id="{932F741D-698D-479C-A036-2482B902F939}" type="slidenum">
+              <a:rPr lang="en-US" smtClean="0"/>
+              <a:pPr/>
+              <a:t>4</a:t>
+            </a:fld>
+            <a:endParaRPr lang="en-US" dirty="0"/>
+          </a:p>
+        </p:txBody>
+      </p:sp>
+      <p:sp>
+        <p:nvSpPr>
+          <p:cNvPr id="2" name="Title 1">
+            <a:extLst>
+              <a:ext uri="{FF2B5EF4-FFF2-40B4-BE49-F238E27FC236}">
+                <a16:creationId xmlns:a16="http://schemas.microsoft.com/office/drawing/2014/main" id="{5993B8E7-BC1F-43D9-80DA-6F7CBA67290B}"/>
+              </a:ext>
+            </a:extLst>
+          </p:cNvPr>
+          <p:cNvSpPr>
+            <a:spLocks noGrp="1"/>
+          </p:cNvSpPr>
+          <p:nvPr>
+            <p:ph type="title"/>
+          </p:nvPr>
+        </p:nvSpPr>
+        <p:spPr/>
+        <p:txBody>
+          <a:bodyPr/>
+          <a:lstStyle/>
+          <a:p>
+            <a:r>
+              <a:rPr lang="en-US" dirty="0"/>
+              <a:t>1. Deployment and Testing</a:t>
+            </a:r>
+          </a:p>
+        </p:txBody>
+      </p:sp>
+    </p:spTree>
+    <p:extLst>
+      <p:ext uri="{BB962C8B-B14F-4D97-AF65-F5344CB8AC3E}">
+        <p14:creationId xmlns:p14="http://schemas.microsoft.com/office/powerpoint/2010/main" val="518404904"/>
+      </p:ext>
+    </p:extLst>
+  </p:cSld>
+  <p:clrMapOvr>
+    <a:masterClrMapping/>
+  </p:clrMapOvr>
+</p:sld>
+</file>
+
+<file path=ppt/slides/slide5.xml><?xml version="1.0" encoding="utf-8"?>
+<p:sld xmlns:a="http://schemas.openxmlformats.org/drawingml/2006/main" xmlns:r="http://schemas.openxmlformats.org/officeDocument/2006/relationships" xmlns:p="http://schemas.openxmlformats.org/presentationml/2006/main">
+  <p:cSld>
+    <p:bg>
+      <p:bgPr>
+        <a:solidFill>
           <a:schemeClr val="bg1"/>
         </a:solidFill>
         <a:effectLst/>
@@ -8484,6 +8804,44 @@
             </a:r>
           </a:p>
           <a:p>
+            <a:pPr lvl="3"/>
+            <a:r>
+              <a:rPr lang="en-ZA" dirty="0"/>
+              <a:t>RCP Inc.</a:t>
+            </a:r>
+            <a:endParaRPr lang="en-US" noProof="1"/>
+          </a:p>
+          <a:p>
+            <a:r>
+              <a:rPr lang="en-ZA" dirty="0"/>
+              <a:t>Natural Gas/Energy Sector</a:t>
+            </a:r>
+            <a:r>
+              <a:rPr lang="en-US" noProof="1"/>
+              <a:t>.</a:t>
+            </a:r>
+          </a:p>
+          <a:p>
+            <a:r>
+              <a:rPr lang="en-US" dirty="0"/>
+              <a:t>Mobile App to complete compliance checks for pressure tests on pipes</a:t>
+            </a:r>
+            <a:r>
+              <a:rPr lang="en-US" noProof="1"/>
+              <a:t>.</a:t>
+            </a:r>
+          </a:p>
+          <a:p>
+            <a:r>
+              <a:rPr lang="en-US" dirty="0"/>
+              <a:t>Blue-tooth communication from MAUI App to specialized sensor</a:t>
+            </a:r>
+            <a:r>
+              <a:rPr lang="en-US" noProof="1"/>
+              <a:t>.</a:t>
+            </a:r>
+          </a:p>
+          <a:p>
             <a:endParaRPr lang="en-US" noProof="1"/>
           </a:p>
           <a:p>
@@ -8547,7 +8905,7 @@
             <a:fld id="{932F741D-698D-479C-A036-2482B902F939}" type="slidenum">
               <a:rPr lang="en-US" smtClean="0"/>
               <a:pPr/>
-              <a:t>4</a:t>
+              <a:t>5</a:t>
             </a:fld>
             <a:endParaRPr lang="en-US" dirty="0"/>
           </a:p>
@@ -8594,7 +8952,7 @@
 </p:sld>
 </file>
 
-<file path=ppt/slides/slide5.xml><?xml version="1.0" encoding="utf-8"?>
+<file path=ppt/slides/slide6.xml><?xml version="1.0" encoding="utf-8"?>
 <p:sld xmlns:a="http://schemas.openxmlformats.org/drawingml/2006/main" xmlns:r="http://schemas.openxmlformats.org/officeDocument/2006/relationships" xmlns:p="http://schemas.openxmlformats.org/presentationml/2006/main">
   <p:cSld>
     <p:spTree>
@@ -8836,7 +9194,7 @@
             <a:fld id="{932F741D-698D-479C-A036-2482B902F939}" type="slidenum">
               <a:rPr lang="en-US" smtClean="0"/>
               <a:pPr/>
-              <a:t>5</a:t>
+              <a:t>6</a:t>
             </a:fld>
             <a:endParaRPr lang="en-US" dirty="0"/>
           </a:p>
@@ -8960,7 +9318,7 @@
 </p:sld>
 </file>
 
-<file path=ppt/slides/slide6.xml><?xml version="1.0" encoding="utf-8"?>
+<file path=ppt/slides/slide7.xml><?xml version="1.0" encoding="utf-8"?>
 <p:sld xmlns:a="http://schemas.openxmlformats.org/drawingml/2006/main" xmlns:r="http://schemas.openxmlformats.org/officeDocument/2006/relationships" xmlns:p="http://schemas.openxmlformats.org/presentationml/2006/main">
   <p:cSld>
     <p:bg>
@@ -9056,6 +9414,12 @@
               <a:t>WinUI 3 windows only </a:t>
             </a:r>
           </a:p>
+          <a:p>
+            <a:r>
+              <a:rPr lang="en-US" noProof="1"/>
+              <a:t>Upgrading from previous versions usually simple, usually just require updating versions.</a:t>
+            </a:r>
+          </a:p>
         </p:txBody>
       </p:sp>
       <p:sp>
@@ -9089,241 +9453,6 @@
             <a:extLst>
               <a:ext uri="{FF2B5EF4-FFF2-40B4-BE49-F238E27FC236}">
                 <a16:creationId xmlns:a16="http://schemas.microsoft.com/office/drawing/2014/main" id="{C8560727-8C8A-4AFA-A292-FC6B6BF10F39}"/>
-              </a:ext>
-            </a:extLst>
-          </p:cNvPr>
-          <p:cNvSpPr>
-            <a:spLocks noGrp="1"/>
-          </p:cNvSpPr>
-          <p:nvPr>
-            <p:ph type="sldNum" sz="quarter" idx="11"/>
-          </p:nvPr>
-        </p:nvSpPr>
-        <p:spPr/>
-        <p:txBody>
-          <a:bodyPr/>
-          <a:lstStyle/>
-          <a:p>
-            <a:fld id="{932F741D-698D-479C-A036-2482B902F939}" type="slidenum">
-              <a:rPr lang="en-US" smtClean="0"/>
-              <a:pPr/>
-              <a:t>6</a:t>
-            </a:fld>
-            <a:endParaRPr lang="en-US" dirty="0"/>
-          </a:p>
-        </p:txBody>
-      </p:sp>
-      <p:sp>
-        <p:nvSpPr>
-          <p:cNvPr id="12" name="Title 11">
-            <a:extLst>
-              <a:ext uri="{FF2B5EF4-FFF2-40B4-BE49-F238E27FC236}">
-                <a16:creationId xmlns:a16="http://schemas.microsoft.com/office/drawing/2014/main" id="{FC048AF1-8CB3-4869-86D6-04DF4C69447F}"/>
-              </a:ext>
-            </a:extLst>
-          </p:cNvPr>
-          <p:cNvSpPr>
-            <a:spLocks noGrp="1"/>
-          </p:cNvSpPr>
-          <p:nvPr>
-            <p:ph type="title"/>
-          </p:nvPr>
-        </p:nvSpPr>
-        <p:spPr/>
-        <p:txBody>
-          <a:bodyPr/>
-          <a:lstStyle/>
-          <a:p>
-            <a:r>
-              <a:rPr lang="en-US" dirty="0"/>
-              <a:t>3. Working with </a:t>
-            </a:r>
-            <a:r>
-              <a:rPr lang="en-US" dirty="0" err="1"/>
-              <a:t>.Net</a:t>
-            </a:r>
-            <a:r>
-              <a:rPr lang="en-US" dirty="0"/>
-              <a:t> MAUI</a:t>
-            </a:r>
-          </a:p>
-        </p:txBody>
-      </p:sp>
-    </p:spTree>
-    <p:extLst>
-      <p:ext uri="{BB962C8B-B14F-4D97-AF65-F5344CB8AC3E}">
-        <p14:creationId xmlns:p14="http://schemas.microsoft.com/office/powerpoint/2010/main" val="1201278008"/>
-      </p:ext>
-    </p:extLst>
-  </p:cSld>
-  <p:clrMapOvr>
-    <a:masterClrMapping/>
-  </p:clrMapOvr>
-</p:sld>
-</file>
-
-<file path=ppt/slides/slide7.xml><?xml version="1.0" encoding="utf-8"?>
-<p:sld xmlns:a="http://schemas.openxmlformats.org/drawingml/2006/main" xmlns:r="http://schemas.openxmlformats.org/officeDocument/2006/relationships" xmlns:p="http://schemas.openxmlformats.org/presentationml/2006/main">
-  <p:cSld>
-    <p:spTree>
-      <p:nvGrpSpPr>
-        <p:cNvPr id="1" name=""/>
-        <p:cNvGrpSpPr/>
-        <p:nvPr/>
-      </p:nvGrpSpPr>
-      <p:grpSpPr>
-        <a:xfrm>
-          <a:off x="0" y="0"/>
-          <a:ext cx="0" cy="0"/>
-          <a:chOff x="0" y="0"/>
-          <a:chExt cx="0" cy="0"/>
-        </a:xfrm>
-      </p:grpSpPr>
-      <p:sp>
-        <p:nvSpPr>
-          <p:cNvPr id="2" name="Title 1">
-            <a:extLst>
-              <a:ext uri="{FF2B5EF4-FFF2-40B4-BE49-F238E27FC236}">
-                <a16:creationId xmlns:a16="http://schemas.microsoft.com/office/drawing/2014/main" id="{6EF635B5-5FA0-4726-A519-C26815664BDD}"/>
-              </a:ext>
-            </a:extLst>
-          </p:cNvPr>
-          <p:cNvSpPr>
-            <a:spLocks noGrp="1"/>
-          </p:cNvSpPr>
-          <p:nvPr>
-            <p:ph type="title"/>
-          </p:nvPr>
-        </p:nvSpPr>
-        <p:spPr>
-          <a:xfrm>
-            <a:off x="982662" y="539750"/>
-            <a:ext cx="5509577" cy="616697"/>
-          </a:xfrm>
-        </p:spPr>
-        <p:txBody>
-          <a:bodyPr/>
-          <a:lstStyle/>
-          <a:p>
-            <a:r>
-              <a:rPr lang="en-US" dirty="0"/>
-              <a:t>3. Working with </a:t>
-            </a:r>
-            <a:r>
-              <a:rPr lang="en-US" dirty="0" err="1"/>
-              <a:t>.net</a:t>
-            </a:r>
-            <a:r>
-              <a:rPr lang="en-US" dirty="0"/>
-              <a:t> </a:t>
-            </a:r>
-            <a:r>
-              <a:rPr lang="en-US" dirty="0" err="1"/>
-              <a:t>maui</a:t>
-            </a:r>
-            <a:endParaRPr lang="en-US" dirty="0"/>
-          </a:p>
-        </p:txBody>
-      </p:sp>
-      <p:sp>
-        <p:nvSpPr>
-          <p:cNvPr id="4" name="Text Placeholder 3">
-            <a:extLst>
-              <a:ext uri="{FF2B5EF4-FFF2-40B4-BE49-F238E27FC236}">
-                <a16:creationId xmlns:a16="http://schemas.microsoft.com/office/drawing/2014/main" id="{B5B9909D-7B7D-4554-AE51-18A1731CAB18}"/>
-              </a:ext>
-            </a:extLst>
-          </p:cNvPr>
-          <p:cNvSpPr>
-            <a:spLocks noGrp="1"/>
-          </p:cNvSpPr>
-          <p:nvPr>
-            <p:ph type="body" sz="half" idx="2"/>
-          </p:nvPr>
-        </p:nvSpPr>
-        <p:spPr>
-          <a:xfrm>
-            <a:off x="918518" y="1383895"/>
-            <a:ext cx="10758233" cy="992555"/>
-          </a:xfrm>
-        </p:spPr>
-        <p:txBody>
-          <a:bodyPr/>
-          <a:lstStyle/>
-          <a:p>
-            <a:pPr marL="285750" indent="-285750">
-              <a:buFont typeface="Arial" panose="020B0604020202020204" pitchFamily="34" charset="0"/>
-              <a:buChar char="•"/>
-            </a:pPr>
-            <a:r>
-              <a:rPr lang="en-US" dirty="0"/>
-              <a:t>The following images shows how a </a:t>
-            </a:r>
-            <a:r>
-              <a:rPr lang="en-US" dirty="0" err="1"/>
-              <a:t>xaml</a:t>
-            </a:r>
-            <a:r>
-              <a:rPr lang="en-US" dirty="0"/>
-              <a:t> page/view will look like. Each </a:t>
-            </a:r>
-            <a:r>
-              <a:rPr lang="en-US" dirty="0" err="1"/>
-              <a:t>xaml</a:t>
-            </a:r>
-            <a:r>
-              <a:rPr lang="en-US" dirty="0"/>
-              <a:t> page/view has a corresponding </a:t>
-            </a:r>
-            <a:r>
-              <a:rPr lang="en-US" dirty="0" err="1"/>
-              <a:t>c#</a:t>
-            </a:r>
-            <a:r>
-              <a:rPr lang="en-US" dirty="0"/>
-              <a:t> class that initializes the content. </a:t>
-            </a:r>
-          </a:p>
-          <a:p>
-            <a:endParaRPr lang="en-US" dirty="0"/>
-          </a:p>
-        </p:txBody>
-      </p:sp>
-      <p:sp>
-        <p:nvSpPr>
-          <p:cNvPr id="5" name="Footer Placeholder 4">
-            <a:extLst>
-              <a:ext uri="{FF2B5EF4-FFF2-40B4-BE49-F238E27FC236}">
-                <a16:creationId xmlns:a16="http://schemas.microsoft.com/office/drawing/2014/main" id="{4CB243AF-DC73-44F7-BA69-567EEB9C74AC}"/>
-              </a:ext>
-            </a:extLst>
-          </p:cNvPr>
-          <p:cNvSpPr>
-            <a:spLocks noGrp="1"/>
-          </p:cNvSpPr>
-          <p:nvPr>
-            <p:ph type="ftr" sz="quarter" idx="10"/>
-          </p:nvPr>
-        </p:nvSpPr>
-        <p:spPr>
-          <a:solidFill>
-            <a:schemeClr val="bg1"/>
-          </a:solidFill>
-        </p:spPr>
-        <p:txBody>
-          <a:bodyPr/>
-          <a:lstStyle/>
-          <a:p>
-            <a:endParaRPr lang="en-US" dirty="0"/>
-          </a:p>
-        </p:txBody>
-      </p:sp>
-      <p:sp>
-        <p:nvSpPr>
-          <p:cNvPr id="6" name="Slide Number Placeholder 5">
-            <a:extLst>
-              <a:ext uri="{FF2B5EF4-FFF2-40B4-BE49-F238E27FC236}">
-                <a16:creationId xmlns:a16="http://schemas.microsoft.com/office/drawing/2014/main" id="{218FB175-FF38-4A1F-B4B6-10FD2C8BBEA0}"/>
               </a:ext>
             </a:extLst>
           </p:cNvPr>
@@ -9348,82 +9477,46 @@
           </a:p>
         </p:txBody>
       </p:sp>
-      <p:pic>
-        <p:nvPicPr>
-          <p:cNvPr id="8" name="Picture 7" descr="A screen shot of a computer program">
-            <a:extLst>
-              <a:ext uri="{FF2B5EF4-FFF2-40B4-BE49-F238E27FC236}">
-                <a16:creationId xmlns:a16="http://schemas.microsoft.com/office/drawing/2014/main" id="{51DCFF26-ADB9-E836-D692-EA592244D68F}"/>
-              </a:ext>
-            </a:extLst>
-          </p:cNvPr>
-          <p:cNvPicPr>
-            <a:picLocks noChangeAspect="1"/>
-          </p:cNvPicPr>
-          <p:nvPr/>
-        </p:nvPicPr>
-        <p:blipFill>
-          <a:blip r:embed="rId2">
-            <a:extLst>
-              <a:ext uri="{28A0092B-C50C-407E-A947-70E740481C1C}">
-                <a14:useLocalDpi xmlns:a14="http://schemas.microsoft.com/office/drawing/2010/main" val="0"/>
-              </a:ext>
-            </a:extLst>
-          </a:blip>
-          <a:stretch>
-            <a:fillRect/>
-          </a:stretch>
-        </p:blipFill>
-        <p:spPr>
-          <a:xfrm>
-            <a:off x="5986891" y="2704136"/>
-            <a:ext cx="5971937" cy="2442809"/>
-          </a:xfrm>
-          <a:prstGeom prst="rect">
-            <a:avLst/>
-          </a:prstGeom>
-        </p:spPr>
-      </p:pic>
-      <p:pic>
-        <p:nvPicPr>
-          <p:cNvPr id="10" name="Picture 9" descr="A screenshot of a computer program&#10;&#10;Description automatically generated">
-            <a:extLst>
-              <a:ext uri="{FF2B5EF4-FFF2-40B4-BE49-F238E27FC236}">
-                <a16:creationId xmlns:a16="http://schemas.microsoft.com/office/drawing/2014/main" id="{ED9F472C-9C04-1582-8EC2-E7D294EFA375}"/>
-              </a:ext>
-            </a:extLst>
-          </p:cNvPr>
-          <p:cNvPicPr>
-            <a:picLocks noChangeAspect="1"/>
-          </p:cNvPicPr>
-          <p:nvPr/>
-        </p:nvPicPr>
-        <p:blipFill>
-          <a:blip r:embed="rId3">
-            <a:extLst>
-              <a:ext uri="{28A0092B-C50C-407E-A947-70E740481C1C}">
-                <a14:useLocalDpi xmlns:a14="http://schemas.microsoft.com/office/drawing/2010/main" val="0"/>
-              </a:ext>
-            </a:extLst>
-          </a:blip>
-          <a:stretch>
-            <a:fillRect/>
-          </a:stretch>
-        </p:blipFill>
-        <p:spPr>
-          <a:xfrm>
-            <a:off x="398473" y="2623339"/>
-            <a:ext cx="5342816" cy="2604405"/>
-          </a:xfrm>
-          <a:prstGeom prst="rect">
-            <a:avLst/>
-          </a:prstGeom>
-        </p:spPr>
-      </p:pic>
+      <p:sp>
+        <p:nvSpPr>
+          <p:cNvPr id="12" name="Title 11">
+            <a:extLst>
+              <a:ext uri="{FF2B5EF4-FFF2-40B4-BE49-F238E27FC236}">
+                <a16:creationId xmlns:a16="http://schemas.microsoft.com/office/drawing/2014/main" id="{FC048AF1-8CB3-4869-86D6-04DF4C69447F}"/>
+              </a:ext>
+            </a:extLst>
+          </p:cNvPr>
+          <p:cNvSpPr>
+            <a:spLocks noGrp="1"/>
+          </p:cNvSpPr>
+          <p:nvPr>
+            <p:ph type="title"/>
+          </p:nvPr>
+        </p:nvSpPr>
+        <p:spPr/>
+        <p:txBody>
+          <a:bodyPr/>
+          <a:lstStyle/>
+          <a:p>
+            <a:r>
+              <a:rPr lang="en-US" dirty="0"/>
+              <a:t>3. Working with </a:t>
+            </a:r>
+            <a:r>
+              <a:rPr lang="en-US" dirty="0" err="1"/>
+              <a:t>.Net</a:t>
+            </a:r>
+            <a:r>
+              <a:rPr lang="en-US" dirty="0"/>
+              <a:t> MAUI</a:t>
+            </a:r>
+          </a:p>
+        </p:txBody>
+      </p:sp>
     </p:spTree>
     <p:extLst>
       <p:ext uri="{BB962C8B-B14F-4D97-AF65-F5344CB8AC3E}">
-        <p14:creationId xmlns:p14="http://schemas.microsoft.com/office/powerpoint/2010/main" val="3689538837"/>
+        <p14:creationId xmlns:p14="http://schemas.microsoft.com/office/powerpoint/2010/main" val="1201278008"/>
       </p:ext>
     </p:extLst>
   </p:cSld>
@@ -9514,7 +9607,7 @@
         </p:nvSpPr>
         <p:spPr>
           <a:xfrm>
-            <a:off x="946361" y="1160588"/>
+            <a:off x="918518" y="1383895"/>
             <a:ext cx="10758233" cy="992555"/>
           </a:xfrm>
         </p:spPr>
@@ -9528,17 +9621,31 @@
             </a:pPr>
             <a:r>
               <a:rPr lang="en-US" dirty="0"/>
-              <a:t>The following image shows how you can create a page/view just using code. </a:t>
-            </a:r>
-          </a:p>
-          <a:p>
-            <a:pPr marL="285750" indent="-285750">
-              <a:buFont typeface="Arial" panose="020B0604020202020204" pitchFamily="34" charset="0"/>
-              <a:buChar char="•"/>
-            </a:pPr>
-            <a:r>
-              <a:rPr lang="en-US" dirty="0"/>
-              <a:t>This is helpful when you dynamically add content.</a:t>
+              <a:t>The following images shows how a </a:t>
+            </a:r>
+            <a:r>
+              <a:rPr lang="en-US" dirty="0" err="1"/>
+              <a:t>xaml</a:t>
+            </a:r>
+            <a:r>
+              <a:rPr lang="en-US" dirty="0"/>
+              <a:t> page/view will look like. Each </a:t>
+            </a:r>
+            <a:r>
+              <a:rPr lang="en-US" dirty="0" err="1"/>
+              <a:t>xaml</a:t>
+            </a:r>
+            <a:r>
+              <a:rPr lang="en-US" dirty="0"/>
+              <a:t> page/view has a corresponding </a:t>
+            </a:r>
+            <a:r>
+              <a:rPr lang="en-US" dirty="0" err="1"/>
+              <a:t>c#</a:t>
+            </a:r>
+            <a:r>
+              <a:rPr lang="en-US" dirty="0"/>
+              <a:t> class that initializes the content. </a:t>
             </a:r>
           </a:p>
           <a:p>
@@ -9607,10 +9714,10 @@
       </p:sp>
       <p:pic>
         <p:nvPicPr>
-          <p:cNvPr id="7" name="Picture 6" descr="A screenshot of a computer program&#10;&#10;Description automatically generated">
-            <a:extLst>
-              <a:ext uri="{FF2B5EF4-FFF2-40B4-BE49-F238E27FC236}">
-                <a16:creationId xmlns:a16="http://schemas.microsoft.com/office/drawing/2014/main" id="{D9BEE0E4-4EF5-322C-603D-2A5826E8453D}"/>
+          <p:cNvPr id="8" name="Picture 7" descr="A screen shot of a computer program">
+            <a:extLst>
+              <a:ext uri="{FF2B5EF4-FFF2-40B4-BE49-F238E27FC236}">
+                <a16:creationId xmlns:a16="http://schemas.microsoft.com/office/drawing/2014/main" id="{51DCFF26-ADB9-E836-D692-EA592244D68F}"/>
               </a:ext>
             </a:extLst>
           </p:cNvPr>
@@ -9633,18 +9740,54 @@
         </p:blipFill>
         <p:spPr>
           <a:xfrm>
-            <a:off x="1952624" y="2153143"/>
-            <a:ext cx="7596797" cy="3703128"/>
+            <a:off x="5986891" y="2704136"/>
+            <a:ext cx="5971937" cy="2442809"/>
           </a:xfrm>
           <a:prstGeom prst="rect">
             <a:avLst/>
           </a:prstGeom>
         </p:spPr>
       </p:pic>
+      <p:pic>
+        <p:nvPicPr>
+          <p:cNvPr id="10" name="Picture 9" descr="A screenshot of a computer program&#10;&#10;Description automatically generated">
+            <a:extLst>
+              <a:ext uri="{FF2B5EF4-FFF2-40B4-BE49-F238E27FC236}">
+                <a16:creationId xmlns:a16="http://schemas.microsoft.com/office/drawing/2014/main" id="{ED9F472C-9C04-1582-8EC2-E7D294EFA375}"/>
+              </a:ext>
+            </a:extLst>
+          </p:cNvPr>
+          <p:cNvPicPr>
+            <a:picLocks noChangeAspect="1"/>
+          </p:cNvPicPr>
+          <p:nvPr/>
+        </p:nvPicPr>
+        <p:blipFill>
+          <a:blip r:embed="rId3">
+            <a:extLst>
+              <a:ext uri="{28A0092B-C50C-407E-A947-70E740481C1C}">
+                <a14:useLocalDpi xmlns:a14="http://schemas.microsoft.com/office/drawing/2010/main" val="0"/>
+              </a:ext>
+            </a:extLst>
+          </a:blip>
+          <a:stretch>
+            <a:fillRect/>
+          </a:stretch>
+        </p:blipFill>
+        <p:spPr>
+          <a:xfrm>
+            <a:off x="398473" y="2623339"/>
+            <a:ext cx="5342816" cy="2604405"/>
+          </a:xfrm>
+          <a:prstGeom prst="rect">
+            <a:avLst/>
+          </a:prstGeom>
+        </p:spPr>
+      </p:pic>
     </p:spTree>
     <p:extLst>
       <p:ext uri="{BB962C8B-B14F-4D97-AF65-F5344CB8AC3E}">
-        <p14:creationId xmlns:p14="http://schemas.microsoft.com/office/powerpoint/2010/main" val="1165978842"/>
+        <p14:creationId xmlns:p14="http://schemas.microsoft.com/office/powerpoint/2010/main" val="3689538837"/>
       </p:ext>
     </p:extLst>
   </p:cSld>
@@ -9687,14 +9830,31 @@
             <p:ph type="title"/>
           </p:nvPr>
         </p:nvSpPr>
-        <p:spPr/>
+        <p:spPr>
+          <a:xfrm>
+            <a:off x="982662" y="539750"/>
+            <a:ext cx="5509577" cy="616697"/>
+          </a:xfrm>
+        </p:spPr>
         <p:txBody>
           <a:bodyPr/>
           <a:lstStyle/>
           <a:p>
             <a:r>
-              <a:rPr lang="en-US"/>
-              <a:t>4. Platform specific code</a:t>
+              <a:rPr lang="en-US" dirty="0"/>
+              <a:t>3. Working with </a:t>
+            </a:r>
+            <a:r>
+              <a:rPr lang="en-US" dirty="0" err="1"/>
+              <a:t>.net</a:t>
+            </a:r>
+            <a:r>
+              <a:rPr lang="en-US" dirty="0"/>
+              <a:t> </a:t>
+            </a:r>
+            <a:r>
+              <a:rPr lang="en-US" dirty="0" err="1"/>
+              <a:t>maui</a:t>
             </a:r>
             <a:endParaRPr lang="en-US" dirty="0"/>
           </a:p>
@@ -9718,8 +9878,8 @@
         </p:nvSpPr>
         <p:spPr>
           <a:xfrm>
-            <a:off x="982662" y="1691750"/>
-            <a:ext cx="4531169" cy="4248000"/>
+            <a:off x="946361" y="1160588"/>
+            <a:ext cx="10758233" cy="992555"/>
           </a:xfrm>
         </p:spPr>
         <p:txBody>
@@ -9731,12 +9891,8 @@
               <a:buChar char="•"/>
             </a:pPr>
             <a:r>
-              <a:rPr lang="en-US" dirty="0">
-                <a:solidFill>
-                  <a:schemeClr val="tx1"/>
-                </a:solidFill>
-              </a:rPr>
-              <a:t>A .NET MAUI app project contains a Platforms folder, with each child folder representing a platform that .NET MAUI can target</a:t>
+              <a:rPr lang="en-US" dirty="0"/>
+              <a:t>The following image shows how you can create a page/view just using code. </a:t>
             </a:r>
           </a:p>
           <a:p>
@@ -9745,87 +9901,12 @@
               <a:buChar char="•"/>
             </a:pPr>
             <a:r>
-              <a:rPr lang="en-US" dirty="0">
-                <a:solidFill>
-                  <a:schemeClr val="tx1"/>
-                </a:solidFill>
-              </a:rPr>
-              <a:t>The folders for each platform contain platform-specific resources, and code that starts the app on each platform</a:t>
-            </a:r>
-          </a:p>
-          <a:p>
-            <a:r>
-              <a:rPr lang="en-US" dirty="0">
-                <a:solidFill>
-                  <a:schemeClr val="tx1"/>
-                </a:solidFill>
-              </a:rPr>
-              <a:t> </a:t>
-            </a:r>
-            <a:r>
-              <a:rPr lang="en-US" dirty="0">
-                <a:solidFill>
-                  <a:schemeClr val="accent1"/>
-                </a:solidFill>
-              </a:rPr>
-              <a:t>Ways to use platform code:</a:t>
-            </a:r>
-          </a:p>
-          <a:p>
-            <a:pPr marL="285750" indent="-285750">
-              <a:buFont typeface="Arial" panose="020B0604020202020204" pitchFamily="34" charset="0"/>
-              <a:buChar char="•"/>
-            </a:pPr>
-            <a:r>
-              <a:rPr lang="en-US" dirty="0">
-                <a:solidFill>
-                  <a:schemeClr val="tx1"/>
-                </a:solidFill>
-              </a:rPr>
-              <a:t>Conditional compilation. #IF ANDROID</a:t>
-            </a:r>
-          </a:p>
-          <a:p>
-            <a:pPr marL="285750" indent="-285750">
-              <a:buFont typeface="Arial" panose="020B0604020202020204" pitchFamily="34" charset="0"/>
-              <a:buChar char="•"/>
-            </a:pPr>
-            <a:r>
-              <a:rPr lang="en-US" dirty="0">
-                <a:solidFill>
-                  <a:schemeClr val="tx1"/>
-                </a:solidFill>
-              </a:rPr>
-              <a:t>Partial Classes and Methods </a:t>
-            </a:r>
-          </a:p>
-          <a:p>
-            <a:pPr marL="285750" indent="-285750">
-              <a:buFont typeface="Arial" panose="020B0604020202020204" pitchFamily="34" charset="0"/>
-              <a:buChar char="•"/>
-            </a:pPr>
-            <a:r>
-              <a:rPr lang="en-US" dirty="0">
-                <a:solidFill>
-                  <a:schemeClr val="tx1"/>
-                </a:solidFill>
-              </a:rPr>
-              <a:t>Dependency Injection</a:t>
-            </a:r>
-          </a:p>
-          <a:p>
-            <a:pPr marL="285750" indent="-285750">
-              <a:buFont typeface="Arial" panose="020B0604020202020204" pitchFamily="34" charset="0"/>
-              <a:buChar char="•"/>
-            </a:pPr>
-            <a:r>
-              <a:rPr lang="en-US" dirty="0">
-                <a:solidFill>
-                  <a:schemeClr val="tx1"/>
-                </a:solidFill>
-              </a:rPr>
-              <a:t>Add native library to platform project.</a:t>
-            </a:r>
+              <a:rPr lang="en-US" dirty="0"/>
+              <a:t>This is helpful when you dynamically add content.</a:t>
+            </a:r>
+          </a:p>
+          <a:p>
+            <a:endParaRPr lang="en-US" dirty="0"/>
           </a:p>
         </p:txBody>
       </p:sp>
@@ -9888,57 +9969,12 @@
           </a:p>
         </p:txBody>
       </p:sp>
-      <p:sp>
-        <p:nvSpPr>
-          <p:cNvPr id="8" name="AutoShape 4" descr="Screenshot image 4">
-            <a:extLst>
-              <a:ext uri="{FF2B5EF4-FFF2-40B4-BE49-F238E27FC236}">
-                <a16:creationId xmlns:a16="http://schemas.microsoft.com/office/drawing/2014/main" id="{422F8BAF-6AA2-CF0D-F27E-F44F923C2205}"/>
-              </a:ext>
-            </a:extLst>
-          </p:cNvPr>
-          <p:cNvSpPr>
-            <a:spLocks noChangeAspect="1" noChangeArrowheads="1"/>
-          </p:cNvSpPr>
-          <p:nvPr/>
-        </p:nvSpPr>
-        <p:spPr bwMode="auto">
-          <a:xfrm>
-            <a:off x="5943599" y="3276599"/>
-            <a:ext cx="2725947" cy="2725947"/>
-          </a:xfrm>
-          <a:prstGeom prst="rect">
-            <a:avLst/>
-          </a:prstGeom>
-          <a:noFill/>
-          <a:extLst>
-            <a:ext uri="{909E8E84-426E-40DD-AFC4-6F175D3DCCD1}">
-              <a14:hiddenFill xmlns:a14="http://schemas.microsoft.com/office/drawing/2010/main">
-                <a:solidFill>
-                  <a:srgbClr val="FFFFFF"/>
-                </a:solidFill>
-              </a14:hiddenFill>
-            </a:ext>
-          </a:extLst>
-        </p:spPr>
-        <p:txBody>
-          <a:bodyPr vert="horz" wrap="square" lIns="91440" tIns="45720" rIns="91440" bIns="45720" numCol="1" anchor="t" anchorCtr="0" compatLnSpc="1">
-            <a:prstTxWarp prst="textNoShape">
-              <a:avLst/>
-            </a:prstTxWarp>
-          </a:bodyPr>
-          <a:lstStyle/>
-          <a:p>
-            <a:endParaRPr lang="en-ZA"/>
-          </a:p>
-        </p:txBody>
-      </p:sp>
       <p:pic>
         <p:nvPicPr>
-          <p:cNvPr id="7" name="Picture 6" descr="A screenshot of a computer&#10;&#10;Description automatically generated">
-            <a:extLst>
-              <a:ext uri="{FF2B5EF4-FFF2-40B4-BE49-F238E27FC236}">
-                <a16:creationId xmlns:a16="http://schemas.microsoft.com/office/drawing/2014/main" id="{8779E730-4549-F13C-53E9-3B64F3FA719F}"/>
+          <p:cNvPr id="7" name="Picture 6" descr="A screenshot of a computer program&#10;&#10;Description automatically generated">
+            <a:extLst>
+              <a:ext uri="{FF2B5EF4-FFF2-40B4-BE49-F238E27FC236}">
+                <a16:creationId xmlns:a16="http://schemas.microsoft.com/office/drawing/2014/main" id="{D9BEE0E4-4EF5-322C-603D-2A5826E8453D}"/>
               </a:ext>
             </a:extLst>
           </p:cNvPr>
@@ -9961,8 +9997,8 @@
         </p:blipFill>
         <p:spPr>
           <a:xfrm>
-            <a:off x="6939707" y="1172900"/>
-            <a:ext cx="3459678" cy="3846775"/>
+            <a:off x="1952624" y="2153143"/>
+            <a:ext cx="7596797" cy="3703128"/>
           </a:xfrm>
           <a:prstGeom prst="rect">
             <a:avLst/>
@@ -9972,7 +10008,7 @@
     </p:spTree>
     <p:extLst>
       <p:ext uri="{BB962C8B-B14F-4D97-AF65-F5344CB8AC3E}">
-        <p14:creationId xmlns:p14="http://schemas.microsoft.com/office/powerpoint/2010/main" val="2149215952"/>
+        <p14:creationId xmlns:p14="http://schemas.microsoft.com/office/powerpoint/2010/main" val="1165978842"/>
       </p:ext>
     </p:extLst>
   </p:cSld>
